--- a/Nefret Soylemi vs Ofansif Dil.pptx
+++ b/Nefret Soylemi vs Ofansif Dil.pptx
@@ -11,6 +11,9 @@
     <p:sldId id="260" r:id="rId5"/>
     <p:sldId id="261" r:id="rId6"/>
     <p:sldId id="262" r:id="rId7"/>
+    <p:sldId id="263" r:id="rId8"/>
+    <p:sldId id="265" r:id="rId9"/>
+    <p:sldId id="264" r:id="rId10"/>
   </p:sldIdLst>
   <p:sldSz cx="12192000" cy="6858000"/>
   <p:notesSz cx="6858000" cy="9144000"/>
@@ -109,6 +112,11 @@
       </a:defRPr>
     </a:lvl9pPr>
   </p:defaultTextStyle>
+  <p:extLst>
+    <p:ext uri="{EFAFB233-063F-42B5-8137-9DF3F51BA10A}">
+      <p15:sldGuideLst xmlns:p15="http://schemas.microsoft.com/office/powerpoint/2012/main"/>
+    </p:ext>
+  </p:extLst>
 </p:presentation>
 </file>
 
@@ -834,7 +842,7 @@
           <a:p>
             <a:fld id="{088F9D75-594F-4B2F-95AE-C6B5B063581F}" type="datetimeFigureOut">
               <a:rPr lang="tr-TR" smtClean="0"/>
-              <a:t>4.05.2022</a:t>
+              <a:t>10.05.2022</a:t>
             </a:fld>
             <a:endParaRPr lang="tr-TR"/>
           </a:p>
@@ -1085,7 +1093,7 @@
           <a:p>
             <a:fld id="{088F9D75-594F-4B2F-95AE-C6B5B063581F}" type="datetimeFigureOut">
               <a:rPr lang="tr-TR" smtClean="0"/>
-              <a:t>4.05.2022</a:t>
+              <a:t>10.05.2022</a:t>
             </a:fld>
             <a:endParaRPr lang="tr-TR"/>
           </a:p>
@@ -1399,7 +1407,7 @@
           <a:p>
             <a:fld id="{088F9D75-594F-4B2F-95AE-C6B5B063581F}" type="datetimeFigureOut">
               <a:rPr lang="tr-TR" smtClean="0"/>
-              <a:t>4.05.2022</a:t>
+              <a:t>10.05.2022</a:t>
             </a:fld>
             <a:endParaRPr lang="tr-TR"/>
           </a:p>
@@ -1740,7 +1748,7 @@
           <a:p>
             <a:fld id="{088F9D75-594F-4B2F-95AE-C6B5B063581F}" type="datetimeFigureOut">
               <a:rPr lang="tr-TR" smtClean="0"/>
-              <a:t>4.05.2022</a:t>
+              <a:t>10.05.2022</a:t>
             </a:fld>
             <a:endParaRPr lang="tr-TR"/>
           </a:p>
@@ -2054,7 +2062,7 @@
           <a:p>
             <a:fld id="{088F9D75-594F-4B2F-95AE-C6B5B063581F}" type="datetimeFigureOut">
               <a:rPr lang="tr-TR" smtClean="0"/>
-              <a:t>4.05.2022</a:t>
+              <a:t>10.05.2022</a:t>
             </a:fld>
             <a:endParaRPr lang="tr-TR"/>
           </a:p>
@@ -2447,7 +2455,7 @@
           <a:p>
             <a:fld id="{088F9D75-594F-4B2F-95AE-C6B5B063581F}" type="datetimeFigureOut">
               <a:rPr lang="tr-TR" smtClean="0"/>
-              <a:t>4.05.2022</a:t>
+              <a:t>10.05.2022</a:t>
             </a:fld>
             <a:endParaRPr lang="tr-TR"/>
           </a:p>
@@ -2617,7 +2625,7 @@
           <a:p>
             <a:fld id="{088F9D75-594F-4B2F-95AE-C6B5B063581F}" type="datetimeFigureOut">
               <a:rPr lang="tr-TR" smtClean="0"/>
-              <a:t>4.05.2022</a:t>
+              <a:t>10.05.2022</a:t>
             </a:fld>
             <a:endParaRPr lang="tr-TR"/>
           </a:p>
@@ -2797,7 +2805,7 @@
           <a:p>
             <a:fld id="{088F9D75-594F-4B2F-95AE-C6B5B063581F}" type="datetimeFigureOut">
               <a:rPr lang="tr-TR" smtClean="0"/>
-              <a:t>4.05.2022</a:t>
+              <a:t>10.05.2022</a:t>
             </a:fld>
             <a:endParaRPr lang="tr-TR"/>
           </a:p>
@@ -2973,7 +2981,7 @@
           <a:p>
             <a:fld id="{088F9D75-594F-4B2F-95AE-C6B5B063581F}" type="datetimeFigureOut">
               <a:rPr lang="tr-TR" smtClean="0"/>
-              <a:t>4.05.2022</a:t>
+              <a:t>10.05.2022</a:t>
             </a:fld>
             <a:endParaRPr lang="tr-TR"/>
           </a:p>
@@ -3220,7 +3228,7 @@
           <a:p>
             <a:fld id="{088F9D75-594F-4B2F-95AE-C6B5B063581F}" type="datetimeFigureOut">
               <a:rPr lang="tr-TR" smtClean="0"/>
-              <a:t>4.05.2022</a:t>
+              <a:t>10.05.2022</a:t>
             </a:fld>
             <a:endParaRPr lang="tr-TR"/>
           </a:p>
@@ -3452,7 +3460,7 @@
           <a:p>
             <a:fld id="{088F9D75-594F-4B2F-95AE-C6B5B063581F}" type="datetimeFigureOut">
               <a:rPr lang="tr-TR" smtClean="0"/>
-              <a:t>4.05.2022</a:t>
+              <a:t>10.05.2022</a:t>
             </a:fld>
             <a:endParaRPr lang="tr-TR"/>
           </a:p>
@@ -3826,7 +3834,7 @@
           <a:p>
             <a:fld id="{088F9D75-594F-4B2F-95AE-C6B5B063581F}" type="datetimeFigureOut">
               <a:rPr lang="tr-TR" smtClean="0"/>
-              <a:t>4.05.2022</a:t>
+              <a:t>10.05.2022</a:t>
             </a:fld>
             <a:endParaRPr lang="tr-TR"/>
           </a:p>
@@ -3949,7 +3957,7 @@
           <a:p>
             <a:fld id="{088F9D75-594F-4B2F-95AE-C6B5B063581F}" type="datetimeFigureOut">
               <a:rPr lang="tr-TR" smtClean="0"/>
-              <a:t>4.05.2022</a:t>
+              <a:t>10.05.2022</a:t>
             </a:fld>
             <a:endParaRPr lang="tr-TR"/>
           </a:p>
@@ -4044,7 +4052,7 @@
           <a:p>
             <a:fld id="{088F9D75-594F-4B2F-95AE-C6B5B063581F}" type="datetimeFigureOut">
               <a:rPr lang="tr-TR" smtClean="0"/>
-              <a:t>4.05.2022</a:t>
+              <a:t>10.05.2022</a:t>
             </a:fld>
             <a:endParaRPr lang="tr-TR"/>
           </a:p>
@@ -4299,7 +4307,7 @@
           <a:p>
             <a:fld id="{088F9D75-594F-4B2F-95AE-C6B5B063581F}" type="datetimeFigureOut">
               <a:rPr lang="tr-TR" smtClean="0"/>
-              <a:t>4.05.2022</a:t>
+              <a:t>10.05.2022</a:t>
             </a:fld>
             <a:endParaRPr lang="tr-TR"/>
           </a:p>
@@ -4562,7 +4570,7 @@
           <a:p>
             <a:fld id="{088F9D75-594F-4B2F-95AE-C6B5B063581F}" type="datetimeFigureOut">
               <a:rPr lang="tr-TR" smtClean="0"/>
-              <a:t>4.05.2022</a:t>
+              <a:t>10.05.2022</a:t>
             </a:fld>
             <a:endParaRPr lang="tr-TR"/>
           </a:p>
@@ -5305,7 +5313,7 @@
           <a:p>
             <a:fld id="{088F9D75-594F-4B2F-95AE-C6B5B063581F}" type="datetimeFigureOut">
               <a:rPr lang="tr-TR" smtClean="0"/>
-              <a:t>4.05.2022</a:t>
+              <a:t>10.05.2022</a:t>
             </a:fld>
             <a:endParaRPr lang="tr-TR"/>
           </a:p>
@@ -6169,9 +6177,16 @@
             <p:ph idx="1"/>
           </p:nvPr>
         </p:nvSpPr>
-        <p:spPr/>
-        <p:txBody>
-          <a:bodyPr/>
+        <p:spPr>
+          <a:xfrm>
+            <a:off x="677334" y="1669003"/>
+            <a:ext cx="8596668" cy="4372360"/>
+          </a:xfrm>
+        </p:spPr>
+        <p:txBody>
+          <a:bodyPr>
+            <a:normAutofit/>
+          </a:bodyPr>
           <a:lstStyle/>
           <a:p>
             <a:r>
@@ -6232,6 +6247,12 @@
           <a:p>
             <a:r>
               <a:rPr lang="tr-TR" dirty="0"/>
+              <a:t>Kodları yazmaya başlamadan önce Metin madenciliği adımlarının başlıklarını yazdık. Sonrasında başlıkların altını doldurduk. Bu proje tamamlama hızımızı büyük oranda arttırdı. Çünkü nereye ne geleceğini hemen bulduk.</a:t>
+            </a:r>
+          </a:p>
+          <a:p>
+            <a:r>
+              <a:rPr lang="tr-TR" dirty="0"/>
               <a:t>Metin Ön İşlemede: </a:t>
             </a:r>
             <a:r>
@@ -6262,18 +6283,21 @@
             </a:r>
             <a:r>
               <a:rPr lang="tr-TR" dirty="0"/>
-              <a:t> projesi inceledik. (</a:t>
-            </a:r>
-            <a:r>
-              <a:rPr lang="tr-TR"/>
-              <a:t>bir çok)</a:t>
-            </a:r>
-            <a:endParaRPr lang="tr-TR" dirty="0"/>
+              <a:t> projesi inceledik. (bir çok)</a:t>
+            </a:r>
           </a:p>
           <a:p>
             <a:r>
               <a:rPr lang="tr-TR" dirty="0"/>
-              <a:t>Sonuç olarak %86 gibi bir başarı elde ettik.</a:t>
+              <a:t>Sonuç olarak %8</a:t>
+            </a:r>
+            <a:r>
+              <a:rPr lang="en-US" dirty="0"/>
+              <a:t>3</a:t>
+            </a:r>
+            <a:r>
+              <a:rPr lang="tr-TR" dirty="0"/>
+              <a:t> gibi bir başarı elde ettik.</a:t>
             </a:r>
           </a:p>
         </p:txBody>
@@ -6463,6 +6487,15 @@
               <a:rPr lang="tr-TR" dirty="0"/>
               <a:t>)</a:t>
             </a:r>
+            <a:endParaRPr lang="en-US" dirty="0"/>
+          </a:p>
+          <a:p>
+            <a:pPr lvl="1"/>
+            <a:r>
+              <a:rPr lang="en-US" dirty="0"/>
+              <a:t>SVC (Support Vector Classifier)</a:t>
+            </a:r>
+            <a:endParaRPr lang="tr-TR" dirty="0"/>
           </a:p>
           <a:p>
             <a:r>
@@ -6492,10 +6525,7 @@
               <a:rPr lang="tr-TR" dirty="0" err="1"/>
               <a:t>Forests</a:t>
             </a:r>
-            <a:r>
-              <a:rPr lang="tr-TR" dirty="0"/>
-              <a:t>?</a:t>
-            </a:r>
+            <a:endParaRPr lang="tr-TR" dirty="0"/>
           </a:p>
         </p:txBody>
       </p:sp>
@@ -6503,6 +6533,857 @@
     <p:extLst>
       <p:ext uri="{BB962C8B-B14F-4D97-AF65-F5344CB8AC3E}">
         <p14:creationId xmlns:p14="http://schemas.microsoft.com/office/powerpoint/2010/main" val="538803313"/>
+      </p:ext>
+    </p:extLst>
+  </p:cSld>
+  <p:clrMapOvr>
+    <a:masterClrMapping/>
+  </p:clrMapOvr>
+</p:sld>
+</file>
+
+<file path=ppt/slides/slide7.xml><?xml version="1.0" encoding="utf-8"?>
+<p:sld xmlns:a="http://schemas.openxmlformats.org/drawingml/2006/main" xmlns:r="http://schemas.openxmlformats.org/officeDocument/2006/relationships" xmlns:p="http://schemas.openxmlformats.org/presentationml/2006/main">
+  <p:cSld>
+    <p:spTree>
+      <p:nvGrpSpPr>
+        <p:cNvPr id="1" name=""/>
+        <p:cNvGrpSpPr/>
+        <p:nvPr/>
+      </p:nvGrpSpPr>
+      <p:grpSpPr>
+        <a:xfrm>
+          <a:off x="0" y="0"/>
+          <a:ext cx="0" cy="0"/>
+          <a:chOff x="0" y="0"/>
+          <a:chExt cx="0" cy="0"/>
+        </a:xfrm>
+      </p:grpSpPr>
+      <p:sp>
+        <p:nvSpPr>
+          <p:cNvPr id="2" name="Başlık 1">
+            <a:extLst>
+              <a:ext uri="{FF2B5EF4-FFF2-40B4-BE49-F238E27FC236}">
+                <a16:creationId xmlns:a16="http://schemas.microsoft.com/office/drawing/2014/main" id="{E562F912-9089-44C6-6457-378685F62D22}"/>
+              </a:ext>
+            </a:extLst>
+          </p:cNvPr>
+          <p:cNvSpPr>
+            <a:spLocks noGrp="1"/>
+          </p:cNvSpPr>
+          <p:nvPr>
+            <p:ph type="title"/>
+          </p:nvPr>
+        </p:nvSpPr>
+        <p:spPr/>
+        <p:txBody>
+          <a:bodyPr/>
+          <a:lstStyle/>
+          <a:p>
+            <a:r>
+              <a:rPr lang="en-US" dirty="0"/>
+              <a:t>S</a:t>
+            </a:r>
+            <a:r>
+              <a:rPr lang="tr-TR" dirty="0" err="1"/>
+              <a:t>ınıflar</a:t>
+            </a:r>
+            <a:r>
+              <a:rPr lang="tr-TR" dirty="0"/>
+              <a:t> Arasındaki Tutarsızlık?</a:t>
+            </a:r>
+          </a:p>
+        </p:txBody>
+      </p:sp>
+      <p:sp>
+        <p:nvSpPr>
+          <p:cNvPr id="3" name="İçerik Yer Tutucusu 2">
+            <a:extLst>
+              <a:ext uri="{FF2B5EF4-FFF2-40B4-BE49-F238E27FC236}">
+                <a16:creationId xmlns:a16="http://schemas.microsoft.com/office/drawing/2014/main" id="{E03A2435-C155-5706-2795-823897324752}"/>
+              </a:ext>
+            </a:extLst>
+          </p:cNvPr>
+          <p:cNvSpPr>
+            <a:spLocks noGrp="1"/>
+          </p:cNvSpPr>
+          <p:nvPr>
+            <p:ph idx="1"/>
+          </p:nvPr>
+        </p:nvSpPr>
+        <p:spPr>
+          <a:xfrm>
+            <a:off x="677334" y="2160589"/>
+            <a:ext cx="8596668" cy="1772219"/>
+          </a:xfrm>
+        </p:spPr>
+        <p:txBody>
+          <a:bodyPr>
+            <a:normAutofit/>
+          </a:bodyPr>
+          <a:lstStyle/>
+          <a:p>
+            <a:r>
+              <a:rPr lang="tr-TR" dirty="0"/>
+              <a:t>Sınıflar arasındaki </a:t>
+            </a:r>
+            <a:r>
+              <a:rPr lang="tr-TR" dirty="0" err="1"/>
+              <a:t>histogramdan</a:t>
+            </a:r>
+            <a:r>
+              <a:rPr lang="tr-TR" dirty="0"/>
+              <a:t> da anlaşılacağı üzere </a:t>
+            </a:r>
+            <a:r>
+              <a:rPr lang="tr-TR" b="1" dirty="0"/>
+              <a:t>Ofansif Dil</a:t>
+            </a:r>
+            <a:r>
+              <a:rPr lang="tr-TR" dirty="0"/>
+              <a:t> olarak etiketlenmiş </a:t>
+            </a:r>
+            <a:r>
+              <a:rPr lang="tr-TR" dirty="0" err="1"/>
+              <a:t>tweet</a:t>
+            </a:r>
+            <a:r>
+              <a:rPr lang="tr-TR" dirty="0"/>
+              <a:t> sayısı diğer </a:t>
+            </a:r>
+            <a:r>
+              <a:rPr lang="tr-TR" dirty="0" err="1"/>
+              <a:t>tweet</a:t>
+            </a:r>
+            <a:r>
+              <a:rPr lang="tr-TR" dirty="0"/>
+              <a:t> sayılarına oranla çok daha fazla.</a:t>
+            </a:r>
+          </a:p>
+          <a:p>
+            <a:r>
+              <a:rPr lang="tr-TR" dirty="0"/>
+              <a:t>Bu durumla alakalı projemizi üçe böldük ve verilerin tamamını kullandığımız bir proje oluşturduk. Birde sayıları dengeleyerek iki proje oluşturduk.</a:t>
+            </a:r>
+          </a:p>
+          <a:p>
+            <a:endParaRPr lang="tr-TR" dirty="0"/>
+          </a:p>
+        </p:txBody>
+      </p:sp>
+    </p:spTree>
+    <p:extLst>
+      <p:ext uri="{BB962C8B-B14F-4D97-AF65-F5344CB8AC3E}">
+        <p14:creationId xmlns:p14="http://schemas.microsoft.com/office/powerpoint/2010/main" val="3167492016"/>
+      </p:ext>
+    </p:extLst>
+  </p:cSld>
+  <p:clrMapOvr>
+    <a:masterClrMapping/>
+  </p:clrMapOvr>
+</p:sld>
+</file>
+
+<file path=ppt/slides/slide8.xml><?xml version="1.0" encoding="utf-8"?>
+<p:sld xmlns:a="http://schemas.openxmlformats.org/drawingml/2006/main" xmlns:r="http://schemas.openxmlformats.org/officeDocument/2006/relationships" xmlns:p="http://schemas.openxmlformats.org/presentationml/2006/main">
+  <p:cSld>
+    <p:spTree>
+      <p:nvGrpSpPr>
+        <p:cNvPr id="1" name=""/>
+        <p:cNvGrpSpPr/>
+        <p:nvPr/>
+      </p:nvGrpSpPr>
+      <p:grpSpPr>
+        <a:xfrm>
+          <a:off x="0" y="0"/>
+          <a:ext cx="0" cy="0"/>
+          <a:chOff x="0" y="0"/>
+          <a:chExt cx="0" cy="0"/>
+        </a:xfrm>
+      </p:grpSpPr>
+      <p:sp>
+        <p:nvSpPr>
+          <p:cNvPr id="2" name="Başlık 1">
+            <a:extLst>
+              <a:ext uri="{FF2B5EF4-FFF2-40B4-BE49-F238E27FC236}">
+                <a16:creationId xmlns:a16="http://schemas.microsoft.com/office/drawing/2014/main" id="{E562F912-9089-44C6-6457-378685F62D22}"/>
+              </a:ext>
+            </a:extLst>
+          </p:cNvPr>
+          <p:cNvSpPr>
+            <a:spLocks noGrp="1"/>
+          </p:cNvSpPr>
+          <p:nvPr>
+            <p:ph type="title"/>
+          </p:nvPr>
+        </p:nvSpPr>
+        <p:spPr/>
+        <p:txBody>
+          <a:bodyPr/>
+          <a:lstStyle/>
+          <a:p>
+            <a:r>
+              <a:rPr lang="en-US" dirty="0"/>
+              <a:t>S</a:t>
+            </a:r>
+            <a:r>
+              <a:rPr lang="tr-TR" dirty="0" err="1"/>
+              <a:t>ınıflar</a:t>
+            </a:r>
+            <a:r>
+              <a:rPr lang="tr-TR" dirty="0"/>
+              <a:t> Arasındaki Tutarsızlık?</a:t>
+            </a:r>
+          </a:p>
+        </p:txBody>
+      </p:sp>
+      <p:pic>
+        <p:nvPicPr>
+          <p:cNvPr id="5" name="Resim 4">
+            <a:extLst>
+              <a:ext uri="{FF2B5EF4-FFF2-40B4-BE49-F238E27FC236}">
+                <a16:creationId xmlns:a16="http://schemas.microsoft.com/office/drawing/2014/main" id="{329709FA-3593-6AAA-273B-E973B22C81A6}"/>
+              </a:ext>
+            </a:extLst>
+          </p:cNvPr>
+          <p:cNvPicPr>
+            <a:picLocks noChangeAspect="1"/>
+          </p:cNvPicPr>
+          <p:nvPr/>
+        </p:nvPicPr>
+        <p:blipFill>
+          <a:blip r:embed="rId2">
+            <a:extLst>
+              <a:ext uri="{28A0092B-C50C-407E-A947-70E740481C1C}">
+                <a14:useLocalDpi xmlns:a14="http://schemas.microsoft.com/office/drawing/2010/main" val="0"/>
+              </a:ext>
+            </a:extLst>
+          </a:blip>
+          <a:stretch>
+            <a:fillRect/>
+          </a:stretch>
+        </p:blipFill>
+        <p:spPr>
+          <a:xfrm>
+            <a:off x="2236193" y="3952632"/>
+            <a:ext cx="4463489" cy="2905368"/>
+          </a:xfrm>
+          <a:prstGeom prst="rect">
+            <a:avLst/>
+          </a:prstGeom>
+        </p:spPr>
+      </p:pic>
+      <p:pic>
+        <p:nvPicPr>
+          <p:cNvPr id="7" name="Resim 6">
+            <a:extLst>
+              <a:ext uri="{FF2B5EF4-FFF2-40B4-BE49-F238E27FC236}">
+                <a16:creationId xmlns:a16="http://schemas.microsoft.com/office/drawing/2014/main" id="{984BFFB6-9C6C-B2D3-811E-C135DFC82BA2}"/>
+              </a:ext>
+            </a:extLst>
+          </p:cNvPr>
+          <p:cNvPicPr>
+            <a:picLocks noChangeAspect="1"/>
+          </p:cNvPicPr>
+          <p:nvPr/>
+        </p:nvPicPr>
+        <p:blipFill>
+          <a:blip r:embed="rId3">
+            <a:extLst>
+              <a:ext uri="{28A0092B-C50C-407E-A947-70E740481C1C}">
+                <a14:useLocalDpi xmlns:a14="http://schemas.microsoft.com/office/drawing/2010/main" val="0"/>
+              </a:ext>
+            </a:extLst>
+          </a:blip>
+          <a:stretch>
+            <a:fillRect/>
+          </a:stretch>
+        </p:blipFill>
+        <p:spPr>
+          <a:xfrm>
+            <a:off x="91841" y="1104596"/>
+            <a:ext cx="4533781" cy="2940514"/>
+          </a:xfrm>
+          <a:prstGeom prst="rect">
+            <a:avLst/>
+          </a:prstGeom>
+        </p:spPr>
+      </p:pic>
+      <p:pic>
+        <p:nvPicPr>
+          <p:cNvPr id="9" name="Resim 8">
+            <a:extLst>
+              <a:ext uri="{FF2B5EF4-FFF2-40B4-BE49-F238E27FC236}">
+                <a16:creationId xmlns:a16="http://schemas.microsoft.com/office/drawing/2014/main" id="{25450619-15A8-D00A-AFF9-798ED727B65B}"/>
+              </a:ext>
+            </a:extLst>
+          </p:cNvPr>
+          <p:cNvPicPr>
+            <a:picLocks noChangeAspect="1"/>
+          </p:cNvPicPr>
+          <p:nvPr/>
+        </p:nvPicPr>
+        <p:blipFill>
+          <a:blip r:embed="rId4">
+            <a:extLst>
+              <a:ext uri="{28A0092B-C50C-407E-A947-70E740481C1C}">
+                <a14:useLocalDpi xmlns:a14="http://schemas.microsoft.com/office/drawing/2010/main" val="0"/>
+              </a:ext>
+            </a:extLst>
+          </a:blip>
+          <a:stretch>
+            <a:fillRect/>
+          </a:stretch>
+        </p:blipFill>
+        <p:spPr>
+          <a:xfrm>
+            <a:off x="4904369" y="1104596"/>
+            <a:ext cx="4463489" cy="2905368"/>
+          </a:xfrm>
+          <a:prstGeom prst="rect">
+            <a:avLst/>
+          </a:prstGeom>
+        </p:spPr>
+      </p:pic>
+      <p:pic>
+        <p:nvPicPr>
+          <p:cNvPr id="10" name="Resim 9">
+            <a:extLst>
+              <a:ext uri="{FF2B5EF4-FFF2-40B4-BE49-F238E27FC236}">
+                <a16:creationId xmlns:a16="http://schemas.microsoft.com/office/drawing/2014/main" id="{C639B798-25C3-ADBD-BA15-81342DE0CC86}"/>
+              </a:ext>
+            </a:extLst>
+          </p:cNvPr>
+          <p:cNvPicPr>
+            <a:picLocks noChangeAspect="1"/>
+          </p:cNvPicPr>
+          <p:nvPr/>
+        </p:nvPicPr>
+        <p:blipFill>
+          <a:blip r:embed="rId5"/>
+          <a:stretch>
+            <a:fillRect/>
+          </a:stretch>
+        </p:blipFill>
+        <p:spPr>
+          <a:xfrm>
+            <a:off x="91841" y="0"/>
+            <a:ext cx="6887536" cy="724001"/>
+          </a:xfrm>
+          <a:prstGeom prst="rect">
+            <a:avLst/>
+          </a:prstGeom>
+        </p:spPr>
+      </p:pic>
+    </p:spTree>
+    <p:extLst>
+      <p:ext uri="{BB962C8B-B14F-4D97-AF65-F5344CB8AC3E}">
+        <p14:creationId xmlns:p14="http://schemas.microsoft.com/office/powerpoint/2010/main" val="39549202"/>
+      </p:ext>
+    </p:extLst>
+  </p:cSld>
+  <p:clrMapOvr>
+    <a:masterClrMapping/>
+  </p:clrMapOvr>
+</p:sld>
+</file>
+
+<file path=ppt/slides/slide9.xml><?xml version="1.0" encoding="utf-8"?>
+<p:sld xmlns:a="http://schemas.openxmlformats.org/drawingml/2006/main" xmlns:r="http://schemas.openxmlformats.org/officeDocument/2006/relationships" xmlns:p="http://schemas.openxmlformats.org/presentationml/2006/main">
+  <p:cSld>
+    <p:spTree>
+      <p:nvGrpSpPr>
+        <p:cNvPr id="1" name=""/>
+        <p:cNvGrpSpPr/>
+        <p:nvPr/>
+      </p:nvGrpSpPr>
+      <p:grpSpPr>
+        <a:xfrm>
+          <a:off x="0" y="0"/>
+          <a:ext cx="0" cy="0"/>
+          <a:chOff x="0" y="0"/>
+          <a:chExt cx="0" cy="0"/>
+        </a:xfrm>
+      </p:grpSpPr>
+      <p:sp>
+        <p:nvSpPr>
+          <p:cNvPr id="2" name="Başlık 1">
+            <a:extLst>
+              <a:ext uri="{FF2B5EF4-FFF2-40B4-BE49-F238E27FC236}">
+                <a16:creationId xmlns:a16="http://schemas.microsoft.com/office/drawing/2014/main" id="{E562F912-9089-44C6-6457-378685F62D22}"/>
+              </a:ext>
+            </a:extLst>
+          </p:cNvPr>
+          <p:cNvSpPr>
+            <a:spLocks noGrp="1"/>
+          </p:cNvSpPr>
+          <p:nvPr>
+            <p:ph type="title"/>
+          </p:nvPr>
+        </p:nvSpPr>
+        <p:spPr/>
+        <p:txBody>
+          <a:bodyPr/>
+          <a:lstStyle/>
+          <a:p>
+            <a:r>
+              <a:rPr lang="tr-TR" dirty="0"/>
+              <a:t>Sonuç</a:t>
+            </a:r>
+          </a:p>
+        </p:txBody>
+      </p:sp>
+      <p:graphicFrame>
+        <p:nvGraphicFramePr>
+          <p:cNvPr id="6" name="Tablo 6">
+            <a:extLst>
+              <a:ext uri="{FF2B5EF4-FFF2-40B4-BE49-F238E27FC236}">
+                <a16:creationId xmlns:a16="http://schemas.microsoft.com/office/drawing/2014/main" id="{B5D1C603-DA62-0D32-B5FA-84C933A286B2}"/>
+              </a:ext>
+            </a:extLst>
+          </p:cNvPr>
+          <p:cNvGraphicFramePr>
+            <a:graphicFrameLocks noGrp="1"/>
+          </p:cNvGraphicFramePr>
+          <p:nvPr>
+            <p:extLst>
+              <p:ext uri="{D42A27DB-BD31-4B8C-83A1-F6EECF244321}">
+                <p14:modId xmlns:p14="http://schemas.microsoft.com/office/powerpoint/2010/main" val="737334852"/>
+              </p:ext>
+            </p:extLst>
+          </p:nvPr>
+        </p:nvGraphicFramePr>
+        <p:xfrm>
+          <a:off x="1352274" y="2232660"/>
+          <a:ext cx="7631928" cy="2392680"/>
+        </p:xfrm>
+        <a:graphic>
+          <a:graphicData uri="http://schemas.openxmlformats.org/drawingml/2006/table">
+            <a:tbl>
+              <a:tblPr firstRow="1" bandRow="1">
+                <a:tableStyleId>{5C22544A-7EE6-4342-B048-85BDC9FD1C3A}</a:tableStyleId>
+              </a:tblPr>
+              <a:tblGrid>
+                <a:gridCol w="2225427">
+                  <a:extLst>
+                    <a:ext uri="{9D8B030D-6E8A-4147-A177-3AD203B41FA5}">
+                      <a16:colId xmlns:a16="http://schemas.microsoft.com/office/drawing/2014/main" val="2423346207"/>
+                    </a:ext>
+                  </a:extLst>
+                </a:gridCol>
+                <a:gridCol w="1420427">
+                  <a:extLst>
+                    <a:ext uri="{9D8B030D-6E8A-4147-A177-3AD203B41FA5}">
+                      <a16:colId xmlns:a16="http://schemas.microsoft.com/office/drawing/2014/main" val="2349905530"/>
+                    </a:ext>
+                  </a:extLst>
+                </a:gridCol>
+                <a:gridCol w="1757779">
+                  <a:extLst>
+                    <a:ext uri="{9D8B030D-6E8A-4147-A177-3AD203B41FA5}">
+                      <a16:colId xmlns:a16="http://schemas.microsoft.com/office/drawing/2014/main" val="726172812"/>
+                    </a:ext>
+                  </a:extLst>
+                </a:gridCol>
+                <a:gridCol w="2228295">
+                  <a:extLst>
+                    <a:ext uri="{9D8B030D-6E8A-4147-A177-3AD203B41FA5}">
+                      <a16:colId xmlns:a16="http://schemas.microsoft.com/office/drawing/2014/main" val="1833297725"/>
+                    </a:ext>
+                  </a:extLst>
+                </a:gridCol>
+              </a:tblGrid>
+              <a:tr h="370840">
+                <a:tc>
+                  <a:txBody>
+                    <a:bodyPr/>
+                    <a:lstStyle/>
+                    <a:p>
+                      <a:r>
+                        <a:rPr lang="tr-TR" dirty="0"/>
+                        <a:t>Model Adı</a:t>
+                      </a:r>
+                    </a:p>
+                  </a:txBody>
+                  <a:tcPr/>
+                </a:tc>
+                <a:tc>
+                  <a:txBody>
+                    <a:bodyPr/>
+                    <a:lstStyle/>
+                    <a:p>
+                      <a:r>
+                        <a:rPr lang="tr-TR" dirty="0"/>
+                        <a:t>Ham Veri (</a:t>
+                      </a:r>
+                      <a:r>
+                        <a:rPr lang="tr-TR" dirty="0" err="1"/>
+                        <a:t>accuracy</a:t>
+                      </a:r>
+                      <a:r>
+                        <a:rPr lang="tr-TR" dirty="0"/>
+                        <a:t>)</a:t>
+                      </a:r>
+                    </a:p>
+                  </a:txBody>
+                  <a:tcPr/>
+                </a:tc>
+                <a:tc>
+                  <a:txBody>
+                    <a:bodyPr/>
+                    <a:lstStyle/>
+                    <a:p>
+                      <a:r>
+                        <a:rPr lang="tr-TR" dirty="0"/>
+                        <a:t>Kırpılmış Veri (</a:t>
+                      </a:r>
+                      <a:r>
+                        <a:rPr lang="tr-TR" dirty="0" err="1"/>
+                        <a:t>accuracy</a:t>
+                      </a:r>
+                      <a:r>
+                        <a:rPr lang="tr-TR" dirty="0"/>
+                        <a:t>)</a:t>
+                      </a:r>
+                      <a:r>
+                        <a:rPr lang="en-US" dirty="0"/>
+                        <a:t> </a:t>
+                      </a:r>
+                      <a:endParaRPr lang="tr-TR" dirty="0"/>
+                    </a:p>
+                  </a:txBody>
+                  <a:tcPr/>
+                </a:tc>
+                <a:tc>
+                  <a:txBody>
+                    <a:bodyPr/>
+                    <a:lstStyle/>
+                    <a:p>
+                      <a:r>
+                        <a:rPr lang="en-US" dirty="0"/>
+                        <a:t>E</a:t>
+                      </a:r>
+                      <a:r>
+                        <a:rPr lang="tr-TR" dirty="0" err="1"/>
+                        <a:t>şit</a:t>
+                      </a:r>
+                      <a:r>
+                        <a:rPr lang="tr-TR" dirty="0"/>
+                        <a:t> Dağıtılmış Veri (</a:t>
+                      </a:r>
+                      <a:r>
+                        <a:rPr lang="tr-TR" dirty="0" err="1"/>
+                        <a:t>accuracy</a:t>
+                      </a:r>
+                      <a:r>
+                        <a:rPr lang="tr-TR" dirty="0"/>
+                        <a:t>)</a:t>
+                      </a:r>
+                    </a:p>
+                  </a:txBody>
+                  <a:tcPr/>
+                </a:tc>
+                <a:extLst>
+                  <a:ext uri="{0D108BD9-81ED-4DB2-BD59-A6C34878D82A}">
+                    <a16:rowId xmlns:a16="http://schemas.microsoft.com/office/drawing/2014/main" val="225534720"/>
+                  </a:ext>
+                </a:extLst>
+              </a:tr>
+              <a:tr h="370840">
+                <a:tc>
+                  <a:txBody>
+                    <a:bodyPr/>
+                    <a:lstStyle/>
+                    <a:p>
+                      <a:r>
+                        <a:rPr lang="tr-TR" dirty="0" err="1"/>
+                        <a:t>Logistic</a:t>
+                      </a:r>
+                      <a:r>
+                        <a:rPr lang="tr-TR" dirty="0"/>
+                        <a:t> </a:t>
+                      </a:r>
+                      <a:r>
+                        <a:rPr lang="tr-TR" dirty="0" err="1"/>
+                        <a:t>Regression</a:t>
+                      </a:r>
+                      <a:endParaRPr lang="tr-TR" dirty="0"/>
+                    </a:p>
+                  </a:txBody>
+                  <a:tcPr/>
+                </a:tc>
+                <a:tc>
+                  <a:txBody>
+                    <a:bodyPr/>
+                    <a:lstStyle/>
+                    <a:p>
+                      <a:pPr algn="ctr"/>
+                      <a:r>
+                        <a:rPr lang="tr-TR" dirty="0"/>
+                        <a:t>%78</a:t>
+                      </a:r>
+                    </a:p>
+                  </a:txBody>
+                  <a:tcPr/>
+                </a:tc>
+                <a:tc>
+                  <a:txBody>
+                    <a:bodyPr/>
+                    <a:lstStyle/>
+                    <a:p>
+                      <a:pPr algn="ctr"/>
+                      <a:r>
+                        <a:rPr lang="tr-TR" dirty="0"/>
+                        <a:t>%79</a:t>
+                      </a:r>
+                    </a:p>
+                  </a:txBody>
+                  <a:tcPr/>
+                </a:tc>
+                <a:tc>
+                  <a:txBody>
+                    <a:bodyPr/>
+                    <a:lstStyle/>
+                    <a:p>
+                      <a:pPr algn="ctr"/>
+                      <a:r>
+                        <a:rPr lang="tr-TR" dirty="0"/>
+                        <a:t>%75</a:t>
+                      </a:r>
+                    </a:p>
+                  </a:txBody>
+                  <a:tcPr/>
+                </a:tc>
+                <a:extLst>
+                  <a:ext uri="{0D108BD9-81ED-4DB2-BD59-A6C34878D82A}">
+                    <a16:rowId xmlns:a16="http://schemas.microsoft.com/office/drawing/2014/main" val="2834186038"/>
+                  </a:ext>
+                </a:extLst>
+              </a:tr>
+              <a:tr h="370840">
+                <a:tc>
+                  <a:txBody>
+                    <a:bodyPr/>
+                    <a:lstStyle/>
+                    <a:p>
+                      <a:r>
+                        <a:rPr lang="tr-TR" dirty="0" err="1"/>
+                        <a:t>Linear</a:t>
+                      </a:r>
+                      <a:r>
+                        <a:rPr lang="tr-TR" dirty="0"/>
+                        <a:t> SVC</a:t>
+                      </a:r>
+                    </a:p>
+                  </a:txBody>
+                  <a:tcPr/>
+                </a:tc>
+                <a:tc>
+                  <a:txBody>
+                    <a:bodyPr/>
+                    <a:lstStyle/>
+                    <a:p>
+                      <a:pPr algn="ctr"/>
+                      <a:r>
+                        <a:rPr lang="tr-TR" dirty="0"/>
+                        <a:t>%81</a:t>
+                      </a:r>
+                    </a:p>
+                  </a:txBody>
+                  <a:tcPr/>
+                </a:tc>
+                <a:tc>
+                  <a:txBody>
+                    <a:bodyPr/>
+                    <a:lstStyle/>
+                    <a:p>
+                      <a:pPr algn="ctr"/>
+                      <a:r>
+                        <a:rPr lang="tr-TR" dirty="0"/>
+                        <a:t>%80</a:t>
+                      </a:r>
+                    </a:p>
+                  </a:txBody>
+                  <a:tcPr/>
+                </a:tc>
+                <a:tc>
+                  <a:txBody>
+                    <a:bodyPr/>
+                    <a:lstStyle/>
+                    <a:p>
+                      <a:pPr algn="ctr"/>
+                      <a:r>
+                        <a:rPr lang="tr-TR" dirty="0"/>
+                        <a:t>%70</a:t>
+                      </a:r>
+                    </a:p>
+                  </a:txBody>
+                  <a:tcPr/>
+                </a:tc>
+                <a:extLst>
+                  <a:ext uri="{0D108BD9-81ED-4DB2-BD59-A6C34878D82A}">
+                    <a16:rowId xmlns:a16="http://schemas.microsoft.com/office/drawing/2014/main" val="1053020196"/>
+                  </a:ext>
+                </a:extLst>
+              </a:tr>
+              <a:tr h="370840">
+                <a:tc>
+                  <a:txBody>
+                    <a:bodyPr/>
+                    <a:lstStyle/>
+                    <a:p>
+                      <a:r>
+                        <a:rPr lang="tr-TR" dirty="0" err="1"/>
+                        <a:t>Naive</a:t>
+                      </a:r>
+                      <a:r>
+                        <a:rPr lang="tr-TR" dirty="0"/>
+                        <a:t> </a:t>
+                      </a:r>
+                      <a:r>
+                        <a:rPr lang="tr-TR" dirty="0" err="1"/>
+                        <a:t>Bayes</a:t>
+                      </a:r>
+                      <a:endParaRPr lang="tr-TR" dirty="0"/>
+                    </a:p>
+                  </a:txBody>
+                  <a:tcPr/>
+                </a:tc>
+                <a:tc>
+                  <a:txBody>
+                    <a:bodyPr/>
+                    <a:lstStyle/>
+                    <a:p>
+                      <a:pPr algn="ctr"/>
+                      <a:r>
+                        <a:rPr lang="tr-TR" dirty="0"/>
+                        <a:t>%75</a:t>
+                      </a:r>
+                    </a:p>
+                  </a:txBody>
+                  <a:tcPr/>
+                </a:tc>
+                <a:tc>
+                  <a:txBody>
+                    <a:bodyPr/>
+                    <a:lstStyle/>
+                    <a:p>
+                      <a:pPr algn="ctr"/>
+                      <a:r>
+                        <a:rPr lang="tr-TR" dirty="0"/>
+                        <a:t>%75</a:t>
+                      </a:r>
+                    </a:p>
+                  </a:txBody>
+                  <a:tcPr/>
+                </a:tc>
+                <a:tc>
+                  <a:txBody>
+                    <a:bodyPr/>
+                    <a:lstStyle/>
+                    <a:p>
+                      <a:pPr algn="ctr"/>
+                      <a:r>
+                        <a:rPr lang="tr-TR" dirty="0"/>
+                        <a:t>%67</a:t>
+                      </a:r>
+                    </a:p>
+                  </a:txBody>
+                  <a:tcPr/>
+                </a:tc>
+                <a:extLst>
+                  <a:ext uri="{0D108BD9-81ED-4DB2-BD59-A6C34878D82A}">
+                    <a16:rowId xmlns:a16="http://schemas.microsoft.com/office/drawing/2014/main" val="1787936485"/>
+                  </a:ext>
+                </a:extLst>
+              </a:tr>
+              <a:tr h="370840">
+                <a:tc>
+                  <a:txBody>
+                    <a:bodyPr/>
+                    <a:lstStyle/>
+                    <a:p>
+                      <a:r>
+                        <a:rPr lang="tr-TR" dirty="0" err="1"/>
+                        <a:t>Ensemble</a:t>
+                      </a:r>
+                      <a:r>
+                        <a:rPr lang="tr-TR" dirty="0"/>
+                        <a:t> Learning / </a:t>
+                      </a:r>
+                      <a:r>
+                        <a:rPr lang="tr-TR" dirty="0" err="1"/>
+                        <a:t>Random</a:t>
+                      </a:r>
+                      <a:r>
+                        <a:rPr lang="tr-TR" dirty="0"/>
+                        <a:t> </a:t>
+                      </a:r>
+                      <a:r>
+                        <a:rPr lang="tr-TR" dirty="0" err="1"/>
+                        <a:t>Forest</a:t>
+                      </a:r>
+                      <a:endParaRPr lang="tr-TR" dirty="0"/>
+                    </a:p>
+                  </a:txBody>
+                  <a:tcPr/>
+                </a:tc>
+                <a:tc>
+                  <a:txBody>
+                    <a:bodyPr/>
+                    <a:lstStyle/>
+                    <a:p>
+                      <a:pPr algn="ctr"/>
+                      <a:r>
+                        <a:rPr lang="tr-TR" sz="2800" dirty="0"/>
+                        <a:t>%83</a:t>
+                      </a:r>
+                    </a:p>
+                  </a:txBody>
+                  <a:tcPr/>
+                </a:tc>
+                <a:tc>
+                  <a:txBody>
+                    <a:bodyPr/>
+                    <a:lstStyle/>
+                    <a:p>
+                      <a:pPr algn="ctr"/>
+                      <a:r>
+                        <a:rPr lang="tr-TR" dirty="0"/>
+                        <a:t>%80</a:t>
+                      </a:r>
+                    </a:p>
+                  </a:txBody>
+                  <a:tcPr/>
+                </a:tc>
+                <a:tc>
+                  <a:txBody>
+                    <a:bodyPr/>
+                    <a:lstStyle/>
+                    <a:p>
+                      <a:pPr algn="ctr"/>
+                      <a:r>
+                        <a:rPr lang="tr-TR" dirty="0"/>
+                        <a:t>%74</a:t>
+                      </a:r>
+                    </a:p>
+                  </a:txBody>
+                  <a:tcPr/>
+                </a:tc>
+                <a:extLst>
+                  <a:ext uri="{0D108BD9-81ED-4DB2-BD59-A6C34878D82A}">
+                    <a16:rowId xmlns:a16="http://schemas.microsoft.com/office/drawing/2014/main" val="667526312"/>
+                  </a:ext>
+                </a:extLst>
+              </a:tr>
+            </a:tbl>
+          </a:graphicData>
+        </a:graphic>
+      </p:graphicFrame>
+    </p:spTree>
+    <p:extLst>
+      <p:ext uri="{BB962C8B-B14F-4D97-AF65-F5344CB8AC3E}">
+        <p14:creationId xmlns:p14="http://schemas.microsoft.com/office/powerpoint/2010/main" val="1542368053"/>
       </p:ext>
     </p:extLst>
   </p:cSld>
